--- a/Drug-OverDose-Prediction.pptx
+++ b/Drug-OverDose-Prediction.pptx
@@ -3938,7 +3938,7 @@
         </p:spPr>
         <p:txBody>
           <a:bodyPr>
-            <a:normAutofit/>
+            <a:normAutofit fontScale="77500" lnSpcReduction="20000"/>
           </a:bodyPr>
           <a:lstStyle/>
           <a:p>
@@ -3966,6 +3966,30 @@
                 </a:solidFill>
               </a:rPr>
               <a:t>Datathon</a:t>
+            </a:r>
+            <a:endParaRPr lang="en-US" dirty="0">
+              <a:solidFill>
+                <a:schemeClr val="tx1"/>
+              </a:solidFill>
+            </a:endParaRPr>
+          </a:p>
+          <a:p>
+            <a:pPr algn="l"/>
+            <a:r>
+              <a:rPr lang="en-US" dirty="0">
+                <a:solidFill>
+                  <a:schemeClr val="tx1"/>
+                </a:solidFill>
+              </a:rPr>
+              <a:t>Archita Vasuki, Neha </a:t>
+            </a:r>
+            <a:r>
+              <a:rPr lang="en-US" dirty="0" err="1">
+                <a:solidFill>
+                  <a:schemeClr val="tx1"/>
+                </a:solidFill>
+              </a:rPr>
+              <a:t>Rachapali</a:t>
             </a:r>
             <a:endParaRPr lang="en-US" dirty="0">
               <a:solidFill>

--- a/Drug-OverDose-Prediction.pptx
+++ b/Drug-OverDose-Prediction.pptx
@@ -4815,7 +4815,7 @@
         <p:spPr/>
         <p:txBody>
           <a:bodyPr>
-            <a:normAutofit fontScale="92500" lnSpcReduction="10000"/>
+            <a:normAutofit/>
           </a:bodyPr>
           <a:lstStyle/>
           <a:p>
@@ -4825,7 +4825,23 @@
             </a:r>
           </a:p>
           <a:p>
-            <a:pPr algn="l"/>
+            <a:pPr algn="l">
+              <a:buFont typeface="+mj-lt"/>
+              <a:buAutoNum type="arabicPeriod"/>
+            </a:pPr>
+            <a:r>
+              <a:rPr lang="en-US" b="1" i="0">
+                <a:solidFill>
+                  <a:srgbClr val="1F2328"/>
+                </a:solidFill>
+                <a:effectLst/>
+                <a:highlight>
+                  <a:srgbClr val="FFFFFF"/>
+                </a:highlight>
+                <a:latin typeface="-apple-system"/>
+              </a:rPr>
+              <a:t>Personalized </a:t>
+            </a:r>
             <a:r>
               <a:rPr lang="en-US" b="1" i="0" dirty="0">
                 <a:solidFill>
@@ -4837,26 +4853,7 @@
                 </a:highlight>
                 <a:latin typeface="-apple-system"/>
               </a:rPr>
-              <a:t>User Experience</a:t>
-            </a:r>
-          </a:p>
-          <a:p>
-            <a:pPr algn="l">
-              <a:buFont typeface="+mj-lt"/>
-              <a:buAutoNum type="arabicPeriod"/>
-            </a:pPr>
-            <a:r>
-              <a:rPr lang="en-US" b="1" i="0" dirty="0">
-                <a:solidFill>
-                  <a:srgbClr val="1F2328"/>
-                </a:solidFill>
-                <a:effectLst/>
-                <a:highlight>
-                  <a:srgbClr val="FFFFFF"/>
-                </a:highlight>
-                <a:latin typeface="-apple-system"/>
-              </a:rPr>
-              <a:t>Personalized Predictions</a:t>
+              <a:t>Predictions</a:t>
             </a:r>
             <a:r>
               <a:rPr lang="en-US" b="0" i="0" dirty="0">
